--- a/Slurm.pptx
+++ b/Slurm.pptx
@@ -8906,10 +8906,10 @@
       </p:sp>
       <p:pic>
         <p:nvPicPr>
-          <p:cNvPr id="9" name="Рисунок 8">
+          <p:cNvPr id="4" name="Рисунок 3">
             <a:extLst>
               <a:ext uri="{FF2B5EF4-FFF2-40B4-BE49-F238E27FC236}">
-                <a16:creationId xmlns:a16="http://schemas.microsoft.com/office/drawing/2014/main" id="{B157CE88-B59E-AF62-0FA5-CAF0AA7F45FD}"/>
+                <a16:creationId xmlns:a16="http://schemas.microsoft.com/office/drawing/2014/main" id="{E9DAF0C4-797A-0496-BFD5-4D94964C5428}"/>
               </a:ext>
             </a:extLst>
           </p:cNvPr>
@@ -8926,8 +8926,8 @@
         </p:blipFill>
         <p:spPr>
           <a:xfrm>
-            <a:off x="0" y="844645"/>
-            <a:ext cx="9080938" cy="3737987"/>
+            <a:off x="0" y="695351"/>
+            <a:ext cx="9144000" cy="3752798"/>
           </a:xfrm>
           <a:prstGeom prst="rect">
             <a:avLst/>

--- a/Slurm.pptx
+++ b/Slurm.pptx
@@ -13068,14 +13068,14 @@
               <a:buSzPts val="1400"/>
             </a:pPr>
             <a:r>
-              <a:rPr lang="en-US" dirty="0">
+              <a:rPr lang="en-US">
                 <a:latin typeface="Calibri" panose="020F0502020204030204" pitchFamily="34" charset="0"/>
                 <a:cs typeface="Calibri" panose="020F0502020204030204" pitchFamily="34" charset="0"/>
                 <a:hlinkClick r:id="rId6"/>
               </a:rPr>
-              <a:t>http://158.160.47.148:8080/home</a:t>
+              <a:t>http://158.160.63.106:8080/home</a:t>
             </a:r>
-            <a:endParaRPr lang="en-US" dirty="0">
+            <a:endParaRPr lang="en-US">
               <a:latin typeface="Calibri" panose="020F0502020204030204" pitchFamily="34" charset="0"/>
               <a:cs typeface="Calibri" panose="020F0502020204030204" pitchFamily="34" charset="0"/>
             </a:endParaRPr>

--- a/Slurm.pptx
+++ b/Slurm.pptx
@@ -12731,8 +12731,8 @@
         </p:nvSpPr>
         <p:spPr>
           <a:xfrm>
-            <a:off x="226828" y="1264350"/>
-            <a:ext cx="7947593" cy="3486300"/>
+            <a:off x="226828" y="988142"/>
+            <a:ext cx="7947593" cy="3762508"/>
           </a:xfrm>
           <a:prstGeom prst="rect">
             <a:avLst/>
@@ -12744,7 +12744,7 @@
         </p:spPr>
         <p:txBody>
           <a:bodyPr spcFirstLastPara="1" wrap="square" lIns="91425" tIns="91425" rIns="91425" bIns="91425" anchor="t" anchorCtr="0">
-            <a:normAutofit lnSpcReduction="10000"/>
+            <a:normAutofit/>
           </a:bodyPr>
           <a:lstStyle/>
           <a:p>
@@ -13068,14 +13068,14 @@
               <a:buSzPts val="1400"/>
             </a:pPr>
             <a:r>
-              <a:rPr lang="en-US">
+              <a:rPr lang="en-US" dirty="0">
                 <a:latin typeface="Calibri" panose="020F0502020204030204" pitchFamily="34" charset="0"/>
                 <a:cs typeface="Calibri" panose="020F0502020204030204" pitchFamily="34" charset="0"/>
                 <a:hlinkClick r:id="rId6"/>
               </a:rPr>
               <a:t>http://158.160.63.106:8080/home</a:t>
             </a:r>
-            <a:endParaRPr lang="en-US">
+            <a:endParaRPr lang="en-US" dirty="0">
               <a:latin typeface="Calibri" panose="020F0502020204030204" pitchFamily="34" charset="0"/>
               <a:cs typeface="Calibri" panose="020F0502020204030204" pitchFamily="34" charset="0"/>
             </a:endParaRPr>

--- a/Slurm.pptx
+++ b/Slurm.pptx
@@ -2463,7 +2463,7 @@
           <a:p>
             <a:fld id="{1D8BD707-D9CF-40AE-B4C6-C98DA3205C09}" type="datetimeFigureOut">
               <a:rPr lang="en-US"/>
-              <a:t>4/18/2024</a:t>
+              <a:t>4/22/2024</a:t>
             </a:fld>
             <a:endParaRPr lang="en-US"/>
           </a:p>
@@ -2616,7 +2616,7 @@
           <a:p>
             <a:fld id="{1D8BD707-D9CF-40AE-B4C6-C98DA3205C09}" type="datetimeFigureOut">
               <a:rPr lang="en-US"/>
-              <a:t>4/18/2024</a:t>
+              <a:t>4/22/2024</a:t>
             </a:fld>
             <a:endParaRPr lang="en-US"/>
           </a:p>
@@ -8395,7 +8395,7 @@
         </p:blipFill>
         <p:spPr>
           <a:xfrm>
-            <a:off x="4475160" y="228195"/>
+            <a:off x="4921704" y="107855"/>
             <a:ext cx="1807535" cy="447963"/>
           </a:xfrm>
           <a:prstGeom prst="rect">
@@ -8425,7 +8425,7 @@
         </p:blipFill>
         <p:spPr>
           <a:xfrm>
-            <a:off x="3590449" y="749375"/>
+            <a:off x="3986833" y="749375"/>
             <a:ext cx="4208999" cy="2490950"/>
           </a:xfrm>
           <a:prstGeom prst="rect">
@@ -8547,8 +8547,8 @@
         </p:nvSpPr>
         <p:spPr>
           <a:xfrm>
-            <a:off x="373130" y="3346167"/>
-            <a:ext cx="8423001" cy="1384995"/>
+            <a:off x="415236" y="3361917"/>
+            <a:ext cx="8423001" cy="1723549"/>
           </a:xfrm>
           <a:prstGeom prst="rect">
             <a:avLst/>
@@ -8647,6 +8647,16 @@
               <a:rPr lang="ru-RU" i="1" dirty="0"/>
               <a:t> </a:t>
             </a:r>
+            <a:r>
+              <a:rPr lang="en-US" sz="800" b="0" dirty="0">
+                <a:hlinkClick r:id="rId4"/>
+              </a:rPr>
+              <a:t>https://github.com/Mishganio/Greenplum_UDF/blob/main/UDF/f_exchange_partition_load.sql</a:t>
+            </a:r>
+            <a:r>
+              <a:rPr lang="ru-RU" sz="800" i="1" dirty="0"/>
+              <a:t> </a:t>
+            </a:r>
           </a:p>
           <a:p>
             <a:pPr marL="285750" indent="-285750">
@@ -8691,6 +8701,9 @@
               <a:rPr lang="ru-RU" i="1" dirty="0"/>
               <a:t>анализ по клиентам за указанный месяц</a:t>
             </a:r>
+          </a:p>
+          <a:p>
+            <a:endParaRPr lang="ru-RU" i="1" dirty="0"/>
           </a:p>
         </p:txBody>
       </p:sp>
@@ -8821,8 +8834,8 @@
         </p:nvSpPr>
         <p:spPr>
           <a:xfrm>
-            <a:off x="469018" y="157484"/>
-            <a:ext cx="8520600" cy="445458"/>
+            <a:off x="85516" y="35892"/>
+            <a:ext cx="8520600" cy="591891"/>
           </a:xfrm>
         </p:spPr>
         <p:txBody>
@@ -8831,9 +8844,22 @@
           <a:p>
             <a:r>
               <a:rPr lang="en-US" sz="2000" dirty="0"/>
-              <a:t>Greenplum</a:t>
+              <a:t>Greenplum </a:t>
             </a:r>
-            <a:endParaRPr lang="ru-RU" sz="2000" dirty="0"/>
+            <a:br>
+              <a:rPr lang="ru-RU" sz="2000" dirty="0"/>
+            </a:br>
+            <a:r>
+              <a:rPr lang="en-US" sz="800" b="0" dirty="0">
+                <a:latin typeface="+mn-lt"/>
+                <a:hlinkClick r:id="rId5"/>
+              </a:rPr>
+              <a:t>https://github.com/Mishganio/Greenplum_UDF/blob/main/GP_DB_scripts/GP_DB_tables.sql</a:t>
+            </a:r>
+            <a:br>
+              <a:rPr lang="ru-RU" sz="1000" b="0" dirty="0"/>
+            </a:br>
+            <a:endParaRPr lang="ru-RU" sz="1000" b="0" dirty="0"/>
           </a:p>
         </p:txBody>
       </p:sp>
@@ -8906,10 +8932,10 @@
       </p:sp>
       <p:pic>
         <p:nvPicPr>
-          <p:cNvPr id="4" name="Рисунок 3">
+          <p:cNvPr id="5" name="Рисунок 4">
             <a:extLst>
               <a:ext uri="{FF2B5EF4-FFF2-40B4-BE49-F238E27FC236}">
-                <a16:creationId xmlns:a16="http://schemas.microsoft.com/office/drawing/2014/main" id="{E9DAF0C4-797A-0496-BFD5-4D94964C5428}"/>
+                <a16:creationId xmlns:a16="http://schemas.microsoft.com/office/drawing/2014/main" id="{C8082F39-819F-0B23-C9DC-7FB08D92FF35}"/>
               </a:ext>
             </a:extLst>
           </p:cNvPr>
@@ -8926,8 +8952,8 @@
         </p:blipFill>
         <p:spPr>
           <a:xfrm>
-            <a:off x="0" y="695351"/>
-            <a:ext cx="9144000" cy="3752798"/>
+            <a:off x="0" y="795337"/>
+            <a:ext cx="9144000" cy="3552825"/>
           </a:xfrm>
           <a:prstGeom prst="rect">
             <a:avLst/>
@@ -8964,36 +8990,6 @@
           <a:chExt cx="0" cy="0"/>
         </a:xfrm>
       </p:grpSpPr>
-      <p:pic>
-        <p:nvPicPr>
-          <p:cNvPr id="4" name="Рисунок 3">
-            <a:extLst>
-              <a:ext uri="{FF2B5EF4-FFF2-40B4-BE49-F238E27FC236}">
-                <a16:creationId xmlns:a16="http://schemas.microsoft.com/office/drawing/2014/main" id="{A2AC665C-FA59-B839-E390-7E5F89C8C305}"/>
-              </a:ext>
-            </a:extLst>
-          </p:cNvPr>
-          <p:cNvPicPr>
-            <a:picLocks noChangeAspect="1"/>
-          </p:cNvPicPr>
-          <p:nvPr/>
-        </p:nvPicPr>
-        <p:blipFill>
-          <a:blip r:embed="rId2"/>
-          <a:stretch>
-            <a:fillRect/>
-          </a:stretch>
-        </p:blipFill>
-        <p:spPr>
-          <a:xfrm>
-            <a:off x="0" y="542698"/>
-            <a:ext cx="9144000" cy="4514443"/>
-          </a:xfrm>
-          <a:prstGeom prst="rect">
-            <a:avLst/>
-          </a:prstGeom>
-        </p:spPr>
-      </p:pic>
       <p:sp>
         <p:nvSpPr>
           <p:cNvPr id="6" name="Заголовок 1">
@@ -9028,9 +9024,56 @@
               <a:rPr lang="ru-RU" sz="2000" dirty="0"/>
               <a:t>стр.2)</a:t>
             </a:r>
+            <a:r>
+              <a:rPr lang="en-US" sz="2000" dirty="0"/>
+              <a:t> </a:t>
+            </a:r>
+            <a:r>
+              <a:rPr lang="en-US" sz="800" b="0" dirty="0">
+                <a:hlinkClick r:id="rId2"/>
+              </a:rPr>
+              <a:t>https://github.com/Mishganio/Greenplum_UDF/blob/main/Airflow%20Dags/GP_f_exchange_partion_with_marts_load.py</a:t>
+            </a:r>
+            <a:br>
+              <a:rPr lang="ru-RU" sz="800" b="0" dirty="0"/>
+            </a:br>
+            <a:br>
+              <a:rPr lang="ru-RU" sz="1000" b="0" dirty="0"/>
+            </a:br>
+            <a:endParaRPr lang="ru-RU" sz="1000" b="0" dirty="0"/>
           </a:p>
         </p:txBody>
       </p:sp>
+      <p:pic>
+        <p:nvPicPr>
+          <p:cNvPr id="3" name="Рисунок 2">
+            <a:extLst>
+              <a:ext uri="{FF2B5EF4-FFF2-40B4-BE49-F238E27FC236}">
+                <a16:creationId xmlns:a16="http://schemas.microsoft.com/office/drawing/2014/main" id="{08820633-C291-CEB0-B445-90370F56FA88}"/>
+              </a:ext>
+            </a:extLst>
+          </p:cNvPr>
+          <p:cNvPicPr>
+            <a:picLocks noChangeAspect="1"/>
+          </p:cNvPicPr>
+          <p:nvPr/>
+        </p:nvPicPr>
+        <p:blipFill>
+          <a:blip r:embed="rId3"/>
+          <a:stretch>
+            <a:fillRect/>
+          </a:stretch>
+        </p:blipFill>
+        <p:spPr>
+          <a:xfrm>
+            <a:off x="67812" y="622738"/>
+            <a:ext cx="9076188" cy="4295775"/>
+          </a:xfrm>
+          <a:prstGeom prst="rect">
+            <a:avLst/>
+          </a:prstGeom>
+        </p:spPr>
+      </p:pic>
     </p:spTree>
     <p:extLst>
       <p:ext uri="{BB962C8B-B14F-4D97-AF65-F5344CB8AC3E}">
@@ -9079,8 +9122,8 @@
         </p:nvSpPr>
         <p:spPr>
           <a:xfrm>
-            <a:off x="203170" y="15766"/>
-            <a:ext cx="3858799" cy="436093"/>
+            <a:off x="0" y="15767"/>
+            <a:ext cx="9085007" cy="493052"/>
           </a:xfrm>
           <a:prstGeom prst="rect">
             <a:avLst/>
@@ -9102,23 +9145,75 @@
               <a:buNone/>
             </a:pPr>
             <a:r>
-              <a:rPr lang="en-US" sz="2000" dirty="0"/>
-              <a:t>Superset Dashboard </a:t>
+              <a:rPr lang="ru-RU" sz="2000" dirty="0">
+                <a:latin typeface="+mn-lt"/>
+              </a:rPr>
+              <a:t>   </a:t>
             </a:r>
             <a:r>
-              <a:rPr lang="ru-RU" sz="2000" dirty="0"/>
+              <a:rPr lang="en-US" sz="2000" dirty="0">
+                <a:latin typeface="Roboto" panose="02000000000000000000" pitchFamily="2" charset="0"/>
+                <a:ea typeface="Roboto" panose="02000000000000000000" pitchFamily="2" charset="0"/>
+                <a:cs typeface="Roboto" panose="02000000000000000000" pitchFamily="2" charset="0"/>
+              </a:rPr>
+              <a:t>Superset</a:t>
+            </a:r>
+            <a:r>
+              <a:rPr lang="en-US" sz="2000" dirty="0">
+                <a:latin typeface="+mn-lt"/>
+              </a:rPr>
+              <a:t> Dashboard </a:t>
+            </a:r>
+            <a:r>
+              <a:rPr lang="ru-RU" sz="2000" dirty="0">
+                <a:latin typeface="+mn-lt"/>
+              </a:rPr>
               <a:t>(стр.1)</a:t>
             </a:r>
-            <a:endParaRPr sz="2000" dirty="0"/>
+            <a:br>
+              <a:rPr lang="ru-RU" sz="2000" dirty="0">
+                <a:latin typeface="+mn-lt"/>
+              </a:rPr>
+            </a:br>
+            <a:br>
+              <a:rPr lang="ru-RU" sz="1000" b="0" i="0" dirty="0">
+                <a:solidFill>
+                  <a:srgbClr val="333333"/>
+                </a:solidFill>
+                <a:effectLst/>
+                <a:latin typeface="+mn-lt"/>
+              </a:rPr>
+            </a:br>
+            <a:br>
+              <a:rPr lang="ru-RU" sz="1200" b="0" i="0" dirty="0">
+                <a:solidFill>
+                  <a:srgbClr val="333333"/>
+                </a:solidFill>
+                <a:effectLst/>
+                <a:latin typeface="+mn-lt"/>
+              </a:rPr>
+            </a:br>
+            <a:br>
+              <a:rPr lang="ru-RU" sz="1200" b="0" i="0" dirty="0">
+                <a:solidFill>
+                  <a:srgbClr val="333333"/>
+                </a:solidFill>
+                <a:effectLst/>
+                <a:latin typeface="+mn-lt"/>
+              </a:rPr>
+            </a:br>
+            <a:endParaRPr sz="2000" dirty="0">
+              <a:latin typeface="+mn-lt"/>
+            </a:endParaRPr>
           </a:p>
         </p:txBody>
       </p:sp>
       <p:pic>
         <p:nvPicPr>
-          <p:cNvPr id="9" name="Рисунок 8">
+          <p:cNvPr id="3" name="Рисунок 2">
             <a:extLst>
               <a:ext uri="{FF2B5EF4-FFF2-40B4-BE49-F238E27FC236}">
-                <a16:creationId xmlns:a16="http://schemas.microsoft.com/office/drawing/2014/main" id="{1D504787-8F20-A900-BB83-CD118B845267}"/>
+                <a16:creationId xmlns:a16="http://schemas.microsoft.com/office/drawing/2014/main" id="{5C7AB5AA-605C-C49E-AE5E-E07BC0399B54}"/>
               </a:ext>
             </a:extLst>
           </p:cNvPr>
@@ -9135,8 +9230,8 @@
         </p:blipFill>
         <p:spPr>
           <a:xfrm>
-            <a:off x="0" y="496614"/>
-            <a:ext cx="9144000" cy="4587765"/>
+            <a:off x="0" y="508819"/>
+            <a:ext cx="9144000" cy="4352925"/>
           </a:xfrm>
           <a:prstGeom prst="rect">
             <a:avLst/>
@@ -9173,36 +9268,6 @@
           <a:chExt cx="0" cy="0"/>
         </a:xfrm>
       </p:grpSpPr>
-      <p:pic>
-        <p:nvPicPr>
-          <p:cNvPr id="4" name="Рисунок 3">
-            <a:extLst>
-              <a:ext uri="{FF2B5EF4-FFF2-40B4-BE49-F238E27FC236}">
-                <a16:creationId xmlns:a16="http://schemas.microsoft.com/office/drawing/2014/main" id="{EC543B74-8AFC-DC97-BABB-C8541EBC16E1}"/>
-              </a:ext>
-            </a:extLst>
-          </p:cNvPr>
-          <p:cNvPicPr>
-            <a:picLocks noChangeAspect="1"/>
-          </p:cNvPicPr>
-          <p:nvPr/>
-        </p:nvPicPr>
-        <p:blipFill>
-          <a:blip r:embed="rId2"/>
-          <a:stretch>
-            <a:fillRect/>
-          </a:stretch>
-        </p:blipFill>
-        <p:spPr>
-          <a:xfrm>
-            <a:off x="0" y="681357"/>
-            <a:ext cx="9144000" cy="4064564"/>
-          </a:xfrm>
-          <a:prstGeom prst="rect">
-            <a:avLst/>
-          </a:prstGeom>
-        </p:spPr>
-      </p:pic>
       <p:sp>
         <p:nvSpPr>
           <p:cNvPr id="5" name="Google Shape;128;p23">
@@ -9221,8 +9286,8 @@
         </p:nvSpPr>
         <p:spPr>
           <a:xfrm>
-            <a:off x="203170" y="115700"/>
-            <a:ext cx="3858799" cy="436093"/>
+            <a:off x="153204" y="64082"/>
+            <a:ext cx="8837591" cy="407868"/>
           </a:xfrm>
           <a:prstGeom prst="rect">
             <a:avLst/>
@@ -9244,17 +9309,61 @@
               <a:buNone/>
             </a:pPr>
             <a:r>
-              <a:rPr lang="en-US" sz="2000" dirty="0"/>
-              <a:t>Superset Dashboard </a:t>
+              <a:rPr lang="en-US" sz="2000" dirty="0">
+                <a:latin typeface="Roboto" panose="02000000000000000000" pitchFamily="2" charset="0"/>
+                <a:ea typeface="Roboto" panose="02000000000000000000" pitchFamily="2" charset="0"/>
+                <a:cs typeface="Roboto" panose="02000000000000000000" pitchFamily="2" charset="0"/>
+              </a:rPr>
+              <a:t>Superset</a:t>
             </a:r>
             <a:r>
-              <a:rPr lang="ru-RU" sz="2000" dirty="0"/>
+              <a:rPr lang="en-US" sz="2000" dirty="0">
+                <a:latin typeface="+mn-lt"/>
+              </a:rPr>
+              <a:t> Dashboard </a:t>
+            </a:r>
+            <a:r>
+              <a:rPr lang="ru-RU" sz="2000" dirty="0">
+                <a:latin typeface="+mn-lt"/>
+              </a:rPr>
               <a:t>(стр.2)</a:t>
             </a:r>
-            <a:endParaRPr sz="2000" dirty="0"/>
+            <a:endParaRPr sz="2000" dirty="0">
+              <a:latin typeface="+mn-lt"/>
+            </a:endParaRPr>
           </a:p>
         </p:txBody>
       </p:sp>
+      <p:pic>
+        <p:nvPicPr>
+          <p:cNvPr id="3" name="Рисунок 2">
+            <a:extLst>
+              <a:ext uri="{FF2B5EF4-FFF2-40B4-BE49-F238E27FC236}">
+                <a16:creationId xmlns:a16="http://schemas.microsoft.com/office/drawing/2014/main" id="{C41E0240-265E-039D-704D-EDFC1B0EF5F4}"/>
+              </a:ext>
+            </a:extLst>
+          </p:cNvPr>
+          <p:cNvPicPr>
+            <a:picLocks noChangeAspect="1"/>
+          </p:cNvPicPr>
+          <p:nvPr/>
+        </p:nvPicPr>
+        <p:blipFill>
+          <a:blip r:embed="rId2"/>
+          <a:stretch>
+            <a:fillRect/>
+          </a:stretch>
+        </p:blipFill>
+        <p:spPr>
+          <a:xfrm>
+            <a:off x="14287" y="600075"/>
+            <a:ext cx="9115425" cy="3861312"/>
+          </a:xfrm>
+          <a:prstGeom prst="rect">
+            <a:avLst/>
+          </a:prstGeom>
+        </p:spPr>
+      </p:pic>
     </p:spTree>
     <p:extLst>
       <p:ext uri="{BB962C8B-B14F-4D97-AF65-F5344CB8AC3E}">
@@ -9692,10 +9801,10 @@
               <a:buNone/>
             </a:pPr>
             <a:r>
-              <a:rPr lang="ru" sz="3000" dirty="0"/>
+              <a:rPr lang="ru" sz="2400" dirty="0"/>
               <a:t>Выводы и планы по развитию</a:t>
             </a:r>
-            <a:endParaRPr sz="3000" dirty="0"/>
+            <a:endParaRPr sz="2400" dirty="0"/>
           </a:p>
           <a:p>
             <a:pPr marL="0" lvl="0" indent="0" algn="l" rtl="0">
@@ -9742,7 +9851,7 @@
           <p:nvPr>
             <p:extLst>
               <p:ext uri="{D42A27DB-BD31-4B8C-83A1-F6EECF244321}">
-                <p14:modId xmlns:p14="http://schemas.microsoft.com/office/powerpoint/2010/main" val="4190286570"/>
+                <p14:modId xmlns:p14="http://schemas.microsoft.com/office/powerpoint/2010/main" val="133378272"/>
               </p:ext>
             </p:extLst>
           </p:nvPr>
@@ -10053,6 +10162,24 @@
                           <a:sym typeface="Roboto"/>
                         </a:rPr>
                         <a:t>.</a:t>
+                      </a:r>
+                      <a:r>
+                        <a:rPr lang="ru-RU" sz="1300" dirty="0">
+                          <a:latin typeface="Roboto"/>
+                          <a:ea typeface="Roboto"/>
+                          <a:cs typeface="Roboto"/>
+                          <a:sym typeface="Roboto"/>
+                        </a:rPr>
+                        <a:t> Поэтому был выбран </a:t>
+                      </a:r>
+                      <a:r>
+                        <a:rPr lang="en-US" sz="1300" dirty="0">
+                          <a:latin typeface="Roboto"/>
+                          <a:ea typeface="Roboto"/>
+                          <a:cs typeface="Roboto"/>
+                          <a:sym typeface="Roboto"/>
+                        </a:rPr>
+                        <a:t>Greenplum.</a:t>
                       </a:r>
                       <a:endParaRPr lang="ru-RU" sz="1300" dirty="0">
                         <a:latin typeface="Roboto"/>
@@ -10705,13 +10832,16 @@
               <a:buNone/>
             </a:pPr>
             <a:r>
-              <a:rPr lang="ru" sz="2800" dirty="0"/>
+              <a:rPr lang="ru" sz="2400" dirty="0"/>
               <a:t>Защита проекта</a:t>
             </a:r>
-            <a:endParaRPr sz="2800" dirty="0"/>
+            <a:br>
+              <a:rPr lang="en-US" sz="2400" dirty="0"/>
+            </a:br>
+            <a:endParaRPr sz="2400" dirty="0"/>
           </a:p>
           <a:p>
-            <a:pPr marL="0" lvl="0" indent="0" algn="l" rtl="0">
+            <a:pPr marL="0" lvl="0" indent="0" algn="ctr" rtl="0">
               <a:spcBef>
                 <a:spcPts val="0"/>
               </a:spcBef>
@@ -10726,30 +10856,30 @@
               <a:buNone/>
             </a:pPr>
             <a:r>
-              <a:rPr lang="ru" sz="2800" dirty="0"/>
+              <a:rPr lang="ru" sz="2400" dirty="0"/>
               <a:t>Тема: </a:t>
             </a:r>
             <a:r>
-              <a:rPr lang="en-US" sz="2800" dirty="0"/>
+              <a:rPr lang="en-US" sz="2400" dirty="0"/>
               <a:t>“</a:t>
             </a:r>
             <a:r>
-              <a:rPr lang="ru" sz="2800" b="0" i="1" dirty="0"/>
+              <a:rPr lang="ru" sz="2400" b="0" i="1" dirty="0"/>
               <a:t>Анализ продаж компании с использованием </a:t>
             </a:r>
             <a:r>
-              <a:rPr lang="en-US" sz="2800" b="0" i="1" dirty="0"/>
+              <a:rPr lang="en-US" sz="2400" b="0" i="1" dirty="0"/>
               <a:t>Greenplum, Airflow </a:t>
             </a:r>
             <a:r>
-              <a:rPr lang="ru-RU" sz="2800" b="0" i="1" dirty="0"/>
+              <a:rPr lang="ru-RU" sz="2400" b="0" i="1" dirty="0"/>
               <a:t>и </a:t>
             </a:r>
             <a:r>
-              <a:rPr lang="en-US" sz="2800" b="0" i="1" dirty="0"/>
+              <a:rPr lang="en-US" sz="2400" b="0" i="1" dirty="0"/>
               <a:t>Superset”</a:t>
             </a:r>
-            <a:endParaRPr sz="2800" b="0" i="1" dirty="0"/>
+            <a:endParaRPr sz="2400" b="0" i="1" dirty="0"/>
           </a:p>
           <a:p>
             <a:pPr marL="0" lvl="0" indent="0" algn="l" rtl="0">
@@ -10948,10 +11078,10 @@
               <a:buNone/>
             </a:pPr>
             <a:r>
-              <a:rPr lang="ru" sz="3000"/>
+              <a:rPr lang="ru" sz="2400" dirty="0"/>
               <a:t>План защиты</a:t>
             </a:r>
-            <a:endParaRPr sz="3000"/>
+            <a:endParaRPr sz="2400" dirty="0"/>
           </a:p>
           <a:p>
             <a:pPr marL="0" lvl="0" indent="0" algn="l" rtl="0">
@@ -10963,7 +11093,7 @@
               </a:spcAft>
               <a:buNone/>
             </a:pPr>
-            <a:endParaRPr/>
+            <a:endParaRPr dirty="0"/>
           </a:p>
         </p:txBody>
       </p:sp>
@@ -11008,7 +11138,7 @@
             <a:r>
               <a:rPr lang="ru" dirty="0">
                 <a:solidFill>
-                  <a:schemeClr val="dk1"/>
+                  <a:schemeClr val="bg1"/>
                 </a:solidFill>
                 <a:latin typeface="Roboto"/>
                 <a:ea typeface="Roboto"/>
@@ -11019,7 +11149,7 @@
             </a:r>
             <a:endParaRPr dirty="0">
               <a:solidFill>
-                <a:schemeClr val="dk1"/>
+                <a:schemeClr val="bg1"/>
               </a:solidFill>
               <a:latin typeface="Roboto"/>
               <a:ea typeface="Roboto"/>
@@ -11073,7 +11203,7 @@
             <a:r>
               <a:rPr lang="ru" dirty="0">
                 <a:solidFill>
-                  <a:schemeClr val="dk1"/>
+                  <a:schemeClr val="bg1"/>
                 </a:solidFill>
                 <a:latin typeface="Roboto"/>
                 <a:ea typeface="Roboto"/>
@@ -11084,7 +11214,7 @@
             </a:r>
             <a:endParaRPr dirty="0">
               <a:solidFill>
-                <a:schemeClr val="dk1"/>
+                <a:schemeClr val="bg1"/>
               </a:solidFill>
               <a:latin typeface="Roboto"/>
               <a:ea typeface="Roboto"/>
@@ -11125,7 +11255,7 @@
           <a:p>
             <a:endParaRPr lang="en-US" sz="1200" dirty="0">
               <a:solidFill>
-                <a:schemeClr val="dk1"/>
+                <a:schemeClr val="bg1"/>
               </a:solidFill>
               <a:latin typeface="Roboto"/>
               <a:ea typeface="Roboto"/>
@@ -11137,26 +11267,14 @@
             <a:r>
               <a:rPr lang="ru-RU" dirty="0">
                 <a:solidFill>
-                  <a:schemeClr val="dk1"/>
+                  <a:schemeClr val="bg1"/>
                 </a:solidFill>
                 <a:latin typeface="Roboto"/>
                 <a:ea typeface="Roboto"/>
                 <a:cs typeface="Roboto"/>
                 <a:sym typeface="Roboto"/>
               </a:rPr>
-              <a:t>Что</a:t>
-            </a:r>
-            <a:r>
-              <a:rPr lang="ru-RU" dirty="0">
-                <a:solidFill>
-                  <a:srgbClr val="050505"/>
-                </a:solidFill>
-                <a:latin typeface="Roboto"/>
-                <a:ea typeface="Roboto"/>
-                <a:cs typeface="Roboto"/>
-                <a:sym typeface="Roboto"/>
-              </a:rPr>
-              <a:t> получилось</a:t>
+              <a:t>Что получилось</a:t>
             </a:r>
           </a:p>
           <a:p>
@@ -11216,7 +11334,7 @@
             <a:r>
               <a:rPr lang="ru" dirty="0">
                 <a:solidFill>
-                  <a:schemeClr val="dk1"/>
+                  <a:schemeClr val="bg1"/>
                 </a:solidFill>
                 <a:latin typeface="Roboto"/>
                 <a:ea typeface="Roboto"/>
@@ -11227,7 +11345,7 @@
             </a:r>
             <a:endParaRPr lang="ru-RU" dirty="0">
               <a:solidFill>
-                <a:srgbClr val="050505"/>
+                <a:schemeClr val="bg1"/>
               </a:solidFill>
               <a:latin typeface="Roboto"/>
               <a:ea typeface="Roboto"/>
@@ -11245,7 +11363,7 @@
         </p:nvSpPr>
         <p:spPr>
           <a:xfrm>
-            <a:off x="786525" y="3526100"/>
+            <a:off x="786525" y="3525964"/>
             <a:ext cx="3384900" cy="376200"/>
           </a:xfrm>
           <a:prstGeom prst="roundRect">
@@ -11278,7 +11396,7 @@
             <a:r>
               <a:rPr lang="ru" sz="1300" dirty="0">
                 <a:solidFill>
-                  <a:schemeClr val="dk1"/>
+                  <a:schemeClr val="bg1"/>
                 </a:solidFill>
                 <a:latin typeface="Roboto"/>
                 <a:ea typeface="Roboto"/>
@@ -11290,7 +11408,7 @@
             <a:r>
               <a:rPr lang="ru" dirty="0">
                 <a:solidFill>
-                  <a:schemeClr val="dk1"/>
+                  <a:schemeClr val="bg1"/>
                 </a:solidFill>
                 <a:latin typeface="Roboto"/>
                 <a:ea typeface="Roboto"/>
@@ -11300,6 +11418,9 @@
               <a:t>архитектура</a:t>
             </a:r>
             <a:endParaRPr sz="1300" dirty="0">
+              <a:solidFill>
+                <a:schemeClr val="bg1"/>
+              </a:solidFill>
               <a:latin typeface="Roboto"/>
               <a:ea typeface="Roboto"/>
               <a:cs typeface="Roboto"/>
@@ -11349,7 +11470,7 @@
             <a:r>
               <a:rPr lang="ru" dirty="0">
                 <a:solidFill>
-                  <a:schemeClr val="dk1"/>
+                  <a:schemeClr val="bg1"/>
                 </a:solidFill>
                 <a:latin typeface="Roboto"/>
                 <a:ea typeface="Roboto"/>
@@ -11360,7 +11481,7 @@
             </a:r>
             <a:endParaRPr dirty="0">
               <a:solidFill>
-                <a:schemeClr val="dk1"/>
+                <a:schemeClr val="bg1"/>
               </a:solidFill>
               <a:latin typeface="Roboto"/>
               <a:ea typeface="Roboto"/>
@@ -11473,13 +11594,13 @@
           <p:nvPr/>
         </p:nvCxnSpPr>
         <p:spPr>
-          <a:xfrm>
+          <a:xfrm rot="10800000" flipV="1">
             <a:off x="786525" y="3137164"/>
-            <a:ext cx="600" cy="576900"/>
+            <a:ext cx="12700" cy="576900"/>
           </a:xfrm>
           <a:prstGeom prst="curvedConnector3">
             <a:avLst>
-              <a:gd name="adj1" fmla="val -39687500"/>
+              <a:gd name="adj1" fmla="val 1800000"/>
             </a:avLst>
           </a:prstGeom>
           <a:noFill/>
@@ -11504,13 +11625,13 @@
           <p:nvPr/>
         </p:nvCxnSpPr>
         <p:spPr>
-          <a:xfrm>
-            <a:off x="786525" y="3714200"/>
-            <a:ext cx="600" cy="576900"/>
+          <a:xfrm rot="10800000" flipV="1">
+            <a:off x="786525" y="3714063"/>
+            <a:ext cx="12700" cy="577149"/>
           </a:xfrm>
           <a:prstGeom prst="curvedConnector3">
             <a:avLst>
-              <a:gd name="adj1" fmla="val -39687500"/>
+              <a:gd name="adj1" fmla="val 1800000"/>
             </a:avLst>
           </a:prstGeom>
           <a:noFill/>
@@ -11615,10 +11736,10 @@
               <a:buNone/>
             </a:pPr>
             <a:r>
-              <a:rPr lang="ru"/>
+              <a:rPr lang="ru" sz="2400" dirty="0"/>
               <a:t>Цели проекта</a:t>
             </a:r>
-            <a:endParaRPr/>
+            <a:endParaRPr sz="2400" dirty="0"/>
           </a:p>
         </p:txBody>
       </p:sp>
@@ -12232,10 +12353,10 @@
               <a:buNone/>
             </a:pPr>
             <a:r>
-              <a:rPr lang="ru" sz="3000" dirty="0"/>
+              <a:rPr lang="ru" sz="2400" dirty="0"/>
               <a:t>Что планировалось</a:t>
             </a:r>
-            <a:endParaRPr sz="3000" dirty="0"/>
+            <a:endParaRPr sz="2400" dirty="0"/>
           </a:p>
           <a:p>
             <a:pPr marL="0" lvl="0" indent="0" algn="l" rtl="0">
@@ -12693,8 +12814,8 @@
         </p:nvSpPr>
         <p:spPr>
           <a:xfrm>
-            <a:off x="500550" y="330724"/>
-            <a:ext cx="3178315" cy="1095900"/>
+            <a:off x="361336" y="330724"/>
+            <a:ext cx="8001000" cy="509934"/>
           </a:xfrm>
           <a:prstGeom prst="rect">
             <a:avLst/>
@@ -12716,10 +12837,14 @@
               <a:buNone/>
             </a:pPr>
             <a:r>
-              <a:rPr lang="ru" sz="3000" dirty="0"/>
+              <a:rPr lang="ru" sz="2400" dirty="0"/>
               <a:t>Что получилось</a:t>
             </a:r>
-            <a:endParaRPr sz="3000" dirty="0"/>
+            <a:r>
+              <a:rPr lang="en-US" sz="2400" dirty="0"/>
+              <a:t>:</a:t>
+            </a:r>
+            <a:endParaRPr sz="2400" dirty="0"/>
           </a:p>
         </p:txBody>
       </p:sp>
@@ -12744,7 +12869,7 @@
         </p:spPr>
         <p:txBody>
           <a:bodyPr spcFirstLastPara="1" wrap="square" lIns="91425" tIns="91425" rIns="91425" bIns="91425" anchor="t" anchorCtr="0">
-            <a:normAutofit/>
+            <a:normAutofit lnSpcReduction="10000"/>
           </a:bodyPr>
           <a:lstStyle/>
           <a:p>
@@ -12769,13 +12894,6 @@
               </a:solidFill>
               <a:latin typeface="Calibri" panose="020F0502020204030204" pitchFamily="34" charset="0"/>
               <a:cs typeface="Calibri" panose="020F0502020204030204" pitchFamily="34" charset="0"/>
-              <a:hlinkClick r:id="rId3">
-                <a:extLst>
-                  <a:ext uri="{A12FA001-AC4F-418D-AE19-62706E023703}">
-                    <ahyp:hlinkClr xmlns:ahyp="http://schemas.microsoft.com/office/drawing/2018/hyperlinkcolor" val="tx"/>
-                  </a:ext>
-                </a:extLst>
-              </a:hlinkClick>
             </a:endParaRPr>
           </a:p>
           <a:p>
@@ -12851,7 +12969,7 @@
                 </a:solidFill>
                 <a:latin typeface="Calibri" panose="020F0502020204030204" pitchFamily="34" charset="0"/>
                 <a:cs typeface="Calibri" panose="020F0502020204030204" pitchFamily="34" charset="0"/>
-                <a:hlinkClick r:id="rId4"/>
+                <a:hlinkClick r:id="rId3"/>
               </a:rPr>
               <a:t>https://github.com/Mishganio/Greenplum_UDF</a:t>
             </a:r>
@@ -12993,7 +13111,7 @@
               <a:rPr lang="en-US" dirty="0">
                 <a:latin typeface="Calibri" panose="020F0502020204030204" pitchFamily="34" charset="0"/>
                 <a:cs typeface="Calibri" panose="020F0502020204030204" pitchFamily="34" charset="0"/>
-                <a:hlinkClick r:id="rId5"/>
+                <a:hlinkClick r:id="rId4"/>
               </a:rPr>
               <a:t>https://console.yandex.cloud/folders/b1gctv657k2rdmrcs47g/storage/buckets/crm-sales</a:t>
             </a:r>
@@ -13048,7 +13166,7 @@
                 <a:cs typeface="Calibri" panose="020F0502020204030204" pitchFamily="34" charset="0"/>
                 <a:sym typeface="Roboto"/>
               </a:rPr>
-              <a:t>Airflow</a:t>
+              <a:t>VM Airflow</a:t>
             </a:r>
           </a:p>
           <a:p>
@@ -13071,9 +13189,9 @@
               <a:rPr lang="en-US" dirty="0">
                 <a:latin typeface="Calibri" panose="020F0502020204030204" pitchFamily="34" charset="0"/>
                 <a:cs typeface="Calibri" panose="020F0502020204030204" pitchFamily="34" charset="0"/>
-                <a:hlinkClick r:id="rId6"/>
+                <a:hlinkClick r:id="rId5"/>
               </a:rPr>
-              <a:t>http://158.160.63.106:8080/home</a:t>
+              <a:t>http://178.154.224.67:8080</a:t>
             </a:r>
             <a:endParaRPr lang="en-US" dirty="0">
               <a:latin typeface="Calibri" panose="020F0502020204030204" pitchFamily="34" charset="0"/>
@@ -13120,6 +13238,15 @@
               <a:buSzPts val="1400"/>
             </a:pPr>
             <a:r>
+              <a:rPr lang="ru-RU" b="1" dirty="0">
+                <a:latin typeface="Calibri" panose="020F0502020204030204" pitchFamily="34" charset="0"/>
+                <a:ea typeface="Roboto"/>
+                <a:cs typeface="Calibri" panose="020F0502020204030204" pitchFamily="34" charset="0"/>
+                <a:sym typeface="Roboto"/>
+              </a:rPr>
+              <a:t>Кластер </a:t>
+            </a:r>
+            <a:r>
               <a:rPr lang="en-US" b="1" dirty="0">
                 <a:latin typeface="Calibri" panose="020F0502020204030204" pitchFamily="34" charset="0"/>
                 <a:ea typeface="Roboto"/>
@@ -13150,7 +13277,7 @@
                 <a:effectLst/>
                 <a:latin typeface="Calibri" panose="020F0502020204030204" pitchFamily="34" charset="0"/>
                 <a:cs typeface="Calibri" panose="020F0502020204030204" pitchFamily="34" charset="0"/>
-                <a:hlinkClick r:id="rId7"/>
+                <a:hlinkClick r:id="rId6"/>
               </a:rPr>
               <a:t>https://console.yandex.cloud/folders/b1gctv657k2rdmrcs47g/managed-greenplum/cluster/c9qsnav7ai9aio1bprh5/view</a:t>
             </a:r>
@@ -13209,7 +13336,7 @@
                 <a:cs typeface="Calibri" panose="020F0502020204030204" pitchFamily="34" charset="0"/>
                 <a:sym typeface="Roboto"/>
               </a:rPr>
-              <a:t>Superset</a:t>
+              <a:t>VM Superset</a:t>
             </a:r>
             <a:endParaRPr lang="ru-RU" b="1" dirty="0">
               <a:latin typeface="Calibri" panose="020F0502020204030204" pitchFamily="34" charset="0"/>
@@ -13242,9 +13369,9 @@
                 <a:effectLst/>
                 <a:latin typeface="Calibri" panose="020F0502020204030204" pitchFamily="34" charset="0"/>
                 <a:cs typeface="Calibri" panose="020F0502020204030204" pitchFamily="34" charset="0"/>
-                <a:hlinkClick r:id="rId8"/>
+                <a:hlinkClick r:id="rId7"/>
               </a:rPr>
-              <a:t>http://158.160.46.88:8080/superset/dashboard/p/4vAQ9Am97WZ/</a:t>
+              <a:t>http://178.154.227.108:8080</a:t>
             </a:r>
             <a:endParaRPr lang="en-US" b="0" i="0" dirty="0">
               <a:solidFill>
@@ -13253,6 +13380,152 @@
               <a:effectLst/>
               <a:latin typeface="Calibri" panose="020F0502020204030204" pitchFamily="34" charset="0"/>
               <a:cs typeface="Calibri" panose="020F0502020204030204" pitchFamily="34" charset="0"/>
+            </a:endParaRPr>
+          </a:p>
+          <a:p>
+            <a:pPr marL="139700" lvl="0" algn="l" rtl="0">
+              <a:lnSpc>
+                <a:spcPct val="90000"/>
+              </a:lnSpc>
+              <a:spcBef>
+                <a:spcPts val="0"/>
+              </a:spcBef>
+              <a:spcAft>
+                <a:spcPts val="0"/>
+              </a:spcAft>
+              <a:buClr>
+                <a:srgbClr val="000000"/>
+              </a:buClr>
+              <a:buSzPts val="1400"/>
+            </a:pPr>
+            <a:endParaRPr lang="en-US" b="0" i="0" dirty="0">
+              <a:solidFill>
+                <a:srgbClr val="333333"/>
+              </a:solidFill>
+              <a:effectLst/>
+              <a:latin typeface="Calibri" panose="020F0502020204030204" pitchFamily="34" charset="0"/>
+              <a:cs typeface="Calibri" panose="020F0502020204030204" pitchFamily="34" charset="0"/>
+            </a:endParaRPr>
+          </a:p>
+          <a:p>
+            <a:pPr marL="139700" lvl="0" algn="l" rtl="0">
+              <a:lnSpc>
+                <a:spcPct val="90000"/>
+              </a:lnSpc>
+              <a:spcBef>
+                <a:spcPts val="0"/>
+              </a:spcBef>
+              <a:spcAft>
+                <a:spcPts val="0"/>
+              </a:spcAft>
+              <a:buClr>
+                <a:srgbClr val="000000"/>
+              </a:buClr>
+              <a:buSzPts val="1400"/>
+            </a:pPr>
+            <a:r>
+              <a:rPr lang="ru-RU" sz="1000" i="1" dirty="0">
+                <a:solidFill>
+                  <a:srgbClr val="333333"/>
+                </a:solidFill>
+                <a:latin typeface="Calibri" panose="020F0502020204030204" pitchFamily="34" charset="0"/>
+                <a:cs typeface="Calibri" panose="020F0502020204030204" pitchFamily="34" charset="0"/>
+              </a:rPr>
+              <a:t>Внешние </a:t>
+            </a:r>
+            <a:r>
+              <a:rPr lang="en-US" sz="1000" i="1" dirty="0">
+                <a:solidFill>
+                  <a:srgbClr val="333333"/>
+                </a:solidFill>
+                <a:latin typeface="Calibri" panose="020F0502020204030204" pitchFamily="34" charset="0"/>
+                <a:cs typeface="Calibri" panose="020F0502020204030204" pitchFamily="34" charset="0"/>
+              </a:rPr>
+              <a:t>IP </a:t>
+            </a:r>
+            <a:r>
+              <a:rPr lang="ru-RU" sz="1000" i="1" dirty="0">
+                <a:solidFill>
+                  <a:srgbClr val="333333"/>
+                </a:solidFill>
+                <a:latin typeface="Calibri" panose="020F0502020204030204" pitchFamily="34" charset="0"/>
+                <a:cs typeface="Calibri" panose="020F0502020204030204" pitchFamily="34" charset="0"/>
+              </a:rPr>
+              <a:t>адреса </a:t>
+            </a:r>
+            <a:r>
+              <a:rPr lang="en-US" sz="1000" i="1" dirty="0">
+                <a:solidFill>
+                  <a:srgbClr val="333333"/>
+                </a:solidFill>
+                <a:latin typeface="Calibri" panose="020F0502020204030204" pitchFamily="34" charset="0"/>
+                <a:cs typeface="Calibri" panose="020F0502020204030204" pitchFamily="34" charset="0"/>
+              </a:rPr>
+              <a:t>VM </a:t>
+            </a:r>
+            <a:r>
+              <a:rPr lang="ru-RU" sz="1000" i="1" dirty="0">
+                <a:solidFill>
+                  <a:srgbClr val="333333"/>
+                </a:solidFill>
+                <a:latin typeface="Calibri" panose="020F0502020204030204" pitchFamily="34" charset="0"/>
+                <a:cs typeface="Calibri" panose="020F0502020204030204" pitchFamily="34" charset="0"/>
+              </a:rPr>
+              <a:t>динамические</a:t>
+            </a:r>
+            <a:r>
+              <a:rPr lang="en-US" sz="1000" i="1" dirty="0">
+                <a:solidFill>
+                  <a:srgbClr val="333333"/>
+                </a:solidFill>
+                <a:latin typeface="Calibri" panose="020F0502020204030204" pitchFamily="34" charset="0"/>
+                <a:cs typeface="Calibri" panose="020F0502020204030204" pitchFamily="34" charset="0"/>
+              </a:rPr>
+              <a:t> (</a:t>
+            </a:r>
+            <a:r>
+              <a:rPr lang="ru-RU" sz="1000" i="1" dirty="0">
+                <a:solidFill>
+                  <a:srgbClr val="333333"/>
+                </a:solidFill>
+                <a:latin typeface="Calibri" panose="020F0502020204030204" pitchFamily="34" charset="0"/>
+                <a:cs typeface="Calibri" panose="020F0502020204030204" pitchFamily="34" charset="0"/>
+              </a:rPr>
+              <a:t>меняются после перезапуска машин)</a:t>
+            </a:r>
+            <a:endParaRPr lang="en-US" sz="1000" b="0" i="1" dirty="0">
+              <a:solidFill>
+                <a:srgbClr val="333333"/>
+              </a:solidFill>
+              <a:effectLst/>
+              <a:latin typeface="Calibri" panose="020F0502020204030204" pitchFamily="34" charset="0"/>
+              <a:cs typeface="Calibri" panose="020F0502020204030204" pitchFamily="34" charset="0"/>
+            </a:endParaRPr>
+          </a:p>
+          <a:p>
+            <a:pPr marL="139700" lvl="0" algn="l" rtl="0">
+              <a:lnSpc>
+                <a:spcPct val="90000"/>
+              </a:lnSpc>
+              <a:spcBef>
+                <a:spcPts val="0"/>
+              </a:spcBef>
+              <a:spcAft>
+                <a:spcPts val="0"/>
+              </a:spcAft>
+              <a:buClr>
+                <a:srgbClr val="000000"/>
+              </a:buClr>
+              <a:buSzPts val="1400"/>
+            </a:pPr>
+            <a:endParaRPr lang="en-US" dirty="0">
+              <a:solidFill>
+                <a:srgbClr val="333333"/>
+              </a:solidFill>
+              <a:latin typeface="Calibri" panose="020F0502020204030204" pitchFamily="34" charset="0"/>
+              <a:ea typeface="Roboto"/>
+              <a:cs typeface="Calibri" panose="020F0502020204030204" pitchFamily="34" charset="0"/>
+              <a:sym typeface="Roboto"/>
             </a:endParaRPr>
           </a:p>
           <a:p>
@@ -13366,18 +13639,22 @@
               <a:buNone/>
             </a:pPr>
             <a:r>
-              <a:rPr lang="ru" sz="3000" dirty="0"/>
+              <a:rPr lang="ru" sz="2400" dirty="0"/>
               <a:t>Используемые технологии</a:t>
             </a:r>
             <a:r>
-              <a:rPr lang="en-US" sz="3000" dirty="0"/>
+              <a:rPr lang="en-US" sz="2400" dirty="0"/>
               <a:t> </a:t>
             </a:r>
             <a:r>
-              <a:rPr lang="ru-RU" sz="3000" dirty="0"/>
+              <a:rPr lang="ru-RU" sz="2400" dirty="0"/>
               <a:t>и инструменты</a:t>
             </a:r>
-            <a:endParaRPr sz="3000" dirty="0"/>
+            <a:r>
+              <a:rPr lang="en-US" sz="2400" dirty="0"/>
+              <a:t>:</a:t>
+            </a:r>
+            <a:endParaRPr sz="2400" dirty="0"/>
           </a:p>
           <a:p>
             <a:pPr marL="0" lvl="0" indent="0" algn="l" rtl="0">

--- a/Slurm.pptx
+++ b/Slurm.pptx
@@ -13193,10 +13193,20 @@
               </a:rPr>
               <a:t>http://178.154.224.67:8080</a:t>
             </a:r>
-            <a:endParaRPr lang="en-US" dirty="0">
-              <a:latin typeface="Calibri" panose="020F0502020204030204" pitchFamily="34" charset="0"/>
-              <a:cs typeface="Calibri" panose="020F0502020204030204" pitchFamily="34" charset="0"/>
-            </a:endParaRPr>
+            <a:r>
+              <a:rPr lang="en-US" dirty="0">
+                <a:latin typeface="Calibri" panose="020F0502020204030204" pitchFamily="34" charset="0"/>
+                <a:cs typeface="Calibri" panose="020F0502020204030204" pitchFamily="34" charset="0"/>
+              </a:rPr>
+              <a:t> </a:t>
+            </a:r>
+            <a:r>
+              <a:rPr lang="en-US" sz="1200" i="1" dirty="0">
+                <a:latin typeface="Calibri" panose="020F0502020204030204" pitchFamily="34" charset="0"/>
+                <a:cs typeface="Calibri" panose="020F0502020204030204" pitchFamily="34" charset="0"/>
+              </a:rPr>
+              <a:t>(airflow / airflow) </a:t>
+            </a:r>
           </a:p>
           <a:p>
             <a:pPr marL="139700" lvl="0" algn="l" rtl="0">
@@ -13303,6 +13313,62 @@
               </a:buClr>
               <a:buSzPts val="1400"/>
             </a:pPr>
+            <a:r>
+              <a:rPr lang="en-US" sz="1200" b="0" i="1" dirty="0">
+                <a:effectLst/>
+                <a:latin typeface="Calibri" panose="020F0502020204030204" pitchFamily="34" charset="0"/>
+                <a:cs typeface="Calibri" panose="020F0502020204030204" pitchFamily="34" charset="0"/>
+              </a:rPr>
+              <a:t> (rc1b-fp7smn0ufo8nkjuq.mdb.yandexcloud.net:5432 , </a:t>
+            </a:r>
+            <a:r>
+              <a:rPr lang="en-US" sz="1200" b="0" i="1" dirty="0" err="1">
+                <a:effectLst/>
+                <a:latin typeface="Calibri" panose="020F0502020204030204" pitchFamily="34" charset="0"/>
+                <a:cs typeface="Calibri" panose="020F0502020204030204" pitchFamily="34" charset="0"/>
+              </a:rPr>
+              <a:t>slurm</a:t>
+            </a:r>
+            <a:r>
+              <a:rPr lang="en-US" sz="1200" i="1" dirty="0">
+                <a:latin typeface="Calibri" panose="020F0502020204030204" pitchFamily="34" charset="0"/>
+                <a:cs typeface="Calibri" panose="020F0502020204030204" pitchFamily="34" charset="0"/>
+              </a:rPr>
+              <a:t>, </a:t>
+            </a:r>
+            <a:r>
+              <a:rPr lang="en-US" sz="1200" b="0" i="1" dirty="0" err="1">
+                <a:effectLst/>
+                <a:latin typeface="Calibri" panose="020F0502020204030204" pitchFamily="34" charset="0"/>
+                <a:cs typeface="Calibri" panose="020F0502020204030204" pitchFamily="34" charset="0"/>
+              </a:rPr>
+              <a:t>gp_admin</a:t>
+            </a:r>
+            <a:r>
+              <a:rPr lang="en-US" sz="1200" b="0" i="1" dirty="0">
+                <a:effectLst/>
+                <a:latin typeface="Calibri" panose="020F0502020204030204" pitchFamily="34" charset="0"/>
+                <a:cs typeface="Calibri" panose="020F0502020204030204" pitchFamily="34" charset="0"/>
+              </a:rPr>
+              <a:t> / !Zz654321)</a:t>
+            </a:r>
+          </a:p>
+          <a:p>
+            <a:pPr marL="139700" lvl="0" algn="l" rtl="0">
+              <a:lnSpc>
+                <a:spcPct val="90000"/>
+              </a:lnSpc>
+              <a:spcBef>
+                <a:spcPts val="0"/>
+              </a:spcBef>
+              <a:spcAft>
+                <a:spcPts val="0"/>
+              </a:spcAft>
+              <a:buClr>
+                <a:srgbClr val="000000"/>
+              </a:buClr>
+              <a:buSzPts val="1400"/>
+            </a:pPr>
             <a:endParaRPr lang="ru-RU" dirty="0">
               <a:solidFill>
                 <a:srgbClr val="000000"/>
@@ -13373,14 +13439,28 @@
               </a:rPr>
               <a:t>http://178.154.227.108:8080</a:t>
             </a:r>
-            <a:endParaRPr lang="en-US" b="0" i="0" dirty="0">
-              <a:solidFill>
-                <a:srgbClr val="333333"/>
-              </a:solidFill>
-              <a:effectLst/>
-              <a:latin typeface="Calibri" panose="020F0502020204030204" pitchFamily="34" charset="0"/>
-              <a:cs typeface="Calibri" panose="020F0502020204030204" pitchFamily="34" charset="0"/>
-            </a:endParaRPr>
+            <a:r>
+              <a:rPr lang="en-US" b="0" i="0" dirty="0">
+                <a:solidFill>
+                  <a:srgbClr val="333333"/>
+                </a:solidFill>
+                <a:effectLst/>
+                <a:latin typeface="Calibri" panose="020F0502020204030204" pitchFamily="34" charset="0"/>
+                <a:cs typeface="Calibri" panose="020F0502020204030204" pitchFamily="34" charset="0"/>
+              </a:rPr>
+              <a:t> </a:t>
+            </a:r>
+            <a:r>
+              <a:rPr lang="en-US" sz="1200" b="0" i="1" dirty="0">
+                <a:solidFill>
+                  <a:srgbClr val="333333"/>
+                </a:solidFill>
+                <a:effectLst/>
+                <a:latin typeface="Calibri" panose="020F0502020204030204" pitchFamily="34" charset="0"/>
+                <a:cs typeface="Calibri" panose="020F0502020204030204" pitchFamily="34" charset="0"/>
+              </a:rPr>
+              <a:t>(admin / admin)</a:t>
+            </a:r>
           </a:p>
           <a:p>
             <a:pPr marL="139700" lvl="0" algn="l" rtl="0">
